--- a/非受控文档/03-蔡峰/PRD2018-G11-UML视图及系统开发阶段部分.pptx
+++ b/非受控文档/03-蔡峰/PRD2018-G11-UML视图及系统开发阶段部分.pptx
@@ -5,10 +5,10 @@
     <p:sldMasterId id="2147483648" r:id="rId1"/>
   </p:sldMasterIdLst>
   <p:notesMasterIdLst>
-    <p:notesMasterId r:id="rId10"/>
+    <p:notesMasterId r:id="rId12"/>
   </p:notesMasterIdLst>
   <p:handoutMasterIdLst>
-    <p:handoutMasterId r:id="rId11"/>
+    <p:handoutMasterId r:id="rId13"/>
   </p:handoutMasterIdLst>
   <p:sldIdLst>
     <p:sldId id="370" r:id="rId2"/>
@@ -19,6 +19,8 @@
     <p:sldId id="443" r:id="rId7"/>
     <p:sldId id="444" r:id="rId8"/>
     <p:sldId id="445" r:id="rId9"/>
+    <p:sldId id="450" r:id="rId10"/>
+    <p:sldId id="449" r:id="rId11"/>
   </p:sldIdLst>
   <p:sldSz cx="12190413" cy="6859588"/>
   <p:notesSz cx="6858000" cy="9144000"/>
@@ -202,6 +204,7 @@
           <a:p>
             <a:fld id="{5D1C15E6-6BD2-4E4B-B1D4-218C26E1B228}" type="datetimeFigureOut">
               <a:rPr lang="zh-CN" altLang="en-US" smtClean="0"/>
+              <a:pPr/>
               <a:t>2018/10/14</a:t>
             </a:fld>
             <a:endParaRPr lang="zh-CN" altLang="en-US"/>
@@ -268,6 +271,7 @@
           <a:p>
             <a:fld id="{E655EDCA-2189-4435-B38B-6F3C2C044356}" type="slidenum">
               <a:rPr lang="zh-CN" altLang="en-US" smtClean="0"/>
+              <a:pPr/>
               <a:t>‹#›</a:t>
             </a:fld>
             <a:endParaRPr lang="zh-CN" altLang="en-US"/>
@@ -277,7 +281,7 @@
     </p:spTree>
     <p:extLst>
       <p:ext uri="{BB962C8B-B14F-4D97-AF65-F5344CB8AC3E}">
-        <p14:creationId xmlns:p14="http://schemas.microsoft.com/office/powerpoint/2010/main" val="3809856610"/>
+        <p14:creationId xmlns:p14="http://schemas.microsoft.com/office/powerpoint/2010/main" xmlns="" val="3809856610"/>
       </p:ext>
     </p:extLst>
   </p:cSld>
@@ -367,6 +371,7 @@
           <a:p>
             <a:fld id="{0B17430C-5A66-4BD0-A971-34190B6C6019}" type="datetimeFigureOut">
               <a:rPr lang="zh-CN" altLang="en-US" smtClean="0"/>
+              <a:pPr/>
               <a:t>2018/10/14</a:t>
             </a:fld>
             <a:endParaRPr lang="zh-CN" altLang="en-US"/>
@@ -526,6 +531,7 @@
           <a:p>
             <a:fld id="{74AC173A-3DA8-4893-B28A-1E15F55C330A}" type="slidenum">
               <a:rPr lang="zh-CN" altLang="en-US" smtClean="0"/>
+              <a:pPr/>
               <a:t>‹#›</a:t>
             </a:fld>
             <a:endParaRPr lang="zh-CN" altLang="en-US"/>
@@ -535,7 +541,7 @@
     </p:spTree>
     <p:extLst>
       <p:ext uri="{BB962C8B-B14F-4D97-AF65-F5344CB8AC3E}">
-        <p14:creationId xmlns:p14="http://schemas.microsoft.com/office/powerpoint/2010/main" val="625896001"/>
+        <p14:creationId xmlns:p14="http://schemas.microsoft.com/office/powerpoint/2010/main" xmlns="" val="625896001"/>
       </p:ext>
     </p:extLst>
   </p:cSld>
@@ -700,6 +706,7 @@
           <a:p>
             <a:fld id="{74AC173A-3DA8-4893-B28A-1E15F55C330A}" type="slidenum">
               <a:rPr lang="zh-CN" altLang="en-US" smtClean="0"/>
+              <a:pPr/>
               <a:t>1</a:t>
             </a:fld>
             <a:endParaRPr lang="zh-CN" altLang="en-US"/>
@@ -912,6 +919,7 @@
                 <a:latin typeface="微软雅黑" panose="020B0503020204020204" pitchFamily="34" charset="-122"/>
                 <a:ea typeface="微软雅黑" panose="020B0503020204020204" pitchFamily="34" charset="-122"/>
               </a:rPr>
+              <a:pPr algn="ctr"/>
               <a:t>‹#›</a:t>
             </a:fld>
             <a:r>
@@ -1010,14 +1018,14 @@
           </a:ln>
           <a:extLst>
             <a:ext uri="{909E8E84-426E-40DD-AFC4-6F175D3DCCD1}">
-              <a14:hiddenFill xmlns:a14="http://schemas.microsoft.com/office/drawing/2010/main">
+              <a14:hiddenFill xmlns:a14="http://schemas.microsoft.com/office/drawing/2010/main" xmlns="">
                 <a:solidFill>
                   <a:srgbClr val="FFFFFF"/>
                 </a:solidFill>
               </a14:hiddenFill>
             </a:ext>
             <a:ext uri="{91240B29-F687-4F45-9708-019B960494DF}">
-              <a14:hiddenLine xmlns:a14="http://schemas.microsoft.com/office/drawing/2010/main" w="9525">
+              <a14:hiddenLine xmlns:a14="http://schemas.microsoft.com/office/drawing/2010/main" xmlns="" w="9525">
                 <a:solidFill>
                   <a:srgbClr val="000000"/>
                 </a:solidFill>
@@ -1842,6 +1850,7 @@
           <a:p>
             <a:fld id="{530820CF-B880-4189-942D-D702A7CBA730}" type="datetimeFigureOut">
               <a:rPr lang="zh-CN" altLang="en-US" smtClean="0"/>
+              <a:pPr/>
               <a:t>2018/10/14</a:t>
             </a:fld>
             <a:endParaRPr lang="zh-CN" altLang="en-US"/>
@@ -1900,6 +1909,7 @@
           <a:p>
             <a:fld id="{0C913308-F349-4B6D-A68A-DD1791B4A57B}" type="slidenum">
               <a:rPr lang="zh-CN" altLang="en-US" smtClean="0"/>
+              <a:pPr/>
               <a:t>‹#›</a:t>
             </a:fld>
             <a:endParaRPr lang="zh-CN" altLang="en-US"/>
@@ -1959,6 +1969,7 @@
           <a:p>
             <a:fld id="{530820CF-B880-4189-942D-D702A7CBA730}" type="datetimeFigureOut">
               <a:rPr lang="zh-CN" altLang="en-US" smtClean="0"/>
+              <a:pPr/>
               <a:t>2018/10/14</a:t>
             </a:fld>
             <a:endParaRPr lang="zh-CN" altLang="en-US"/>
@@ -2017,6 +2028,7 @@
           <a:p>
             <a:fld id="{0C913308-F349-4B6D-A68A-DD1791B4A57B}" type="slidenum">
               <a:rPr lang="zh-CN" altLang="en-US" smtClean="0"/>
+              <a:pPr/>
               <a:t>‹#›</a:t>
             </a:fld>
             <a:endParaRPr lang="zh-CN" altLang="en-US"/>
@@ -3094,39 +3106,6 @@
           </a:fontRef>
         </p:style>
       </p:cxnSp>
-      <p:pic>
-        <p:nvPicPr>
-          <p:cNvPr id="46" name="商务.mp3">
-            <a:hlinkClick r:id="" action="ppaction://media"/>
-          </p:cNvPr>
-          <p:cNvPicPr>
-            <a:picLocks noChangeAspect="1"/>
-          </p:cNvPicPr>
-          <p:nvPr>
-            <a:audioFile r:link="rId2"/>
-            <p:extLst>
-              <p:ext uri="{DAA4B4D4-6D71-4841-9C94-3DE7FCFB9230}">
-                <p14:media xmlns:p14="http://schemas.microsoft.com/office/powerpoint/2010/main" r:embed="rId1"/>
-              </p:ext>
-            </p:extLst>
-          </p:nvPr>
-        </p:nvPicPr>
-        <p:blipFill>
-          <a:blip r:embed="rId5"/>
-          <a:stretch>
-            <a:fillRect/>
-          </a:stretch>
-        </p:blipFill>
-        <p:spPr>
-          <a:xfrm>
-            <a:off x="12418122" y="6197364"/>
-            <a:ext cx="812694" cy="812988"/>
-          </a:xfrm>
-          <a:prstGeom prst="rect">
-            <a:avLst/>
-          </a:prstGeom>
-        </p:spPr>
-      </p:pic>
       <p:sp>
         <p:nvSpPr>
           <p:cNvPr id="2" name="文本框 1"/>
@@ -3168,13 +3147,13 @@
   <p:clrMapOvr>
     <a:masterClrMapping/>
   </p:clrMapOvr>
-  <mc:AlternateContent xmlns:mc="http://schemas.openxmlformats.org/markup-compatibility/2006" xmlns:p14="http://schemas.microsoft.com/office/powerpoint/2010/main">
-    <mc:Choice Requires="p14">
+  <mc:AlternateContent xmlns:mc="http://schemas.openxmlformats.org/markup-compatibility/2006">
+    <mc:Choice xmlns:p14="http://schemas.microsoft.com/office/powerpoint/2010/main" xmlns="" Requires="p14">
       <p:transition spd="slow" p14:dur="1600" advClick="0" advTm="0">
         <p:blinds dir="vert"/>
       </p:transition>
     </mc:Choice>
-    <mc:Fallback xmlns="">
+    <mc:Fallback>
       <p:transition spd="slow" advClick="0" advTm="0">
         <p:blinds dir="vert"/>
       </p:transition>
@@ -3204,31 +3183,14 @@
                             </p:stCondLst>
                             <p:childTnLst>
                               <p:par>
-                                <p:cTn id="5" presetID="1" presetClass="mediacall" presetSubtype="0" fill="hold" nodeType="withEffect">
-                                  <p:stCondLst>
-                                    <p:cond delay="0"/>
-                                  </p:stCondLst>
-                                  <p:childTnLst>
-                                    <p:cmd type="call" cmd="playFrom(0.0)">
-                                      <p:cBhvr>
-                                        <p:cTn id="6" dur="1" fill="hold"/>
-                                        <p:tgtEl>
-                                          <p:spTgt spid="46"/>
-                                        </p:tgtEl>
-                                      </p:cBhvr>
-                                    </p:cmd>
-                                  </p:childTnLst>
-                                </p:cTn>
-                              </p:par>
-                              <p:par>
-                                <p:cTn id="7" presetID="10" presetClass="entr" presetSubtype="0" fill="hold" grpId="0" nodeType="withEffect">
+                                <p:cTn id="5" presetID="10" presetClass="entr" presetSubtype="0" fill="hold" grpId="0" nodeType="withEffect">
                                   <p:stCondLst>
                                     <p:cond delay="0"/>
                                   </p:stCondLst>
                                   <p:childTnLst>
                                     <p:set>
                                       <p:cBhvr>
-                                        <p:cTn id="8" dur="1" fill="hold">
+                                        <p:cTn id="6" dur="1" fill="hold">
                                           <p:stCondLst>
                                             <p:cond delay="0"/>
                                           </p:stCondLst>
@@ -3246,7 +3208,7 @@
                                     </p:set>
                                     <p:animEffect transition="in" filter="fade">
                                       <p:cBhvr>
-                                        <p:cTn id="9" dur="200"/>
+                                        <p:cTn id="7" dur="200"/>
                                         <p:tgtEl>
                                           <p:spTgt spid="36"/>
                                         </p:tgtEl>
@@ -3256,14 +3218,14 @@
                                 </p:cTn>
                               </p:par>
                               <p:par>
-                                <p:cTn id="10" presetID="10" presetClass="entr" presetSubtype="0" fill="hold" grpId="0" nodeType="withEffect">
+                                <p:cTn id="8" presetID="10" presetClass="entr" presetSubtype="0" fill="hold" grpId="0" nodeType="withEffect">
                                   <p:stCondLst>
                                     <p:cond delay="0"/>
                                   </p:stCondLst>
                                   <p:childTnLst>
                                     <p:set>
                                       <p:cBhvr>
-                                        <p:cTn id="11" dur="1" fill="hold">
+                                        <p:cTn id="9" dur="1" fill="hold">
                                           <p:stCondLst>
                                             <p:cond delay="0"/>
                                           </p:stCondLst>
@@ -3281,7 +3243,7 @@
                                     </p:set>
                                     <p:animEffect transition="in" filter="fade">
                                       <p:cBhvr>
-                                        <p:cTn id="12" dur="200"/>
+                                        <p:cTn id="10" dur="200"/>
                                         <p:tgtEl>
                                           <p:spTgt spid="37"/>
                                         </p:tgtEl>
@@ -3291,14 +3253,14 @@
                                 </p:cTn>
                               </p:par>
                               <p:par>
-                                <p:cTn id="13" presetID="10" presetClass="entr" presetSubtype="0" fill="hold" grpId="0" nodeType="withEffect">
+                                <p:cTn id="11" presetID="10" presetClass="entr" presetSubtype="0" fill="hold" grpId="0" nodeType="withEffect">
                                   <p:stCondLst>
                                     <p:cond delay="0"/>
                                   </p:stCondLst>
                                   <p:childTnLst>
                                     <p:set>
                                       <p:cBhvr>
-                                        <p:cTn id="14" dur="1" fill="hold">
+                                        <p:cTn id="12" dur="1" fill="hold">
                                           <p:stCondLst>
                                             <p:cond delay="0"/>
                                           </p:stCondLst>
@@ -3316,7 +3278,7 @@
                                     </p:set>
                                     <p:animEffect transition="in" filter="fade">
                                       <p:cBhvr>
-                                        <p:cTn id="15" dur="200"/>
+                                        <p:cTn id="13" dur="200"/>
                                         <p:tgtEl>
                                           <p:spTgt spid="38"/>
                                         </p:tgtEl>
@@ -3326,14 +3288,14 @@
                                 </p:cTn>
                               </p:par>
                               <p:par>
-                                <p:cTn id="16" presetID="10" presetClass="entr" presetSubtype="0" fill="hold" grpId="0" nodeType="withEffect">
+                                <p:cTn id="14" presetID="10" presetClass="entr" presetSubtype="0" fill="hold" grpId="0" nodeType="withEffect">
                                   <p:stCondLst>
                                     <p:cond delay="0"/>
                                   </p:stCondLst>
                                   <p:childTnLst>
                                     <p:set>
                                       <p:cBhvr>
-                                        <p:cTn id="17" dur="1" fill="hold">
+                                        <p:cTn id="15" dur="1" fill="hold">
                                           <p:stCondLst>
                                             <p:cond delay="0"/>
                                           </p:stCondLst>
@@ -3351,7 +3313,7 @@
                                     </p:set>
                                     <p:animEffect transition="in" filter="fade">
                                       <p:cBhvr>
-                                        <p:cTn id="18" dur="200"/>
+                                        <p:cTn id="16" dur="200"/>
                                         <p:tgtEl>
                                           <p:spTgt spid="39"/>
                                         </p:tgtEl>
@@ -3361,14 +3323,14 @@
                                 </p:cTn>
                               </p:par>
                               <p:par>
-                                <p:cTn id="19" presetID="10" presetClass="entr" presetSubtype="0" fill="hold" grpId="0" nodeType="withEffect">
+                                <p:cTn id="17" presetID="10" presetClass="entr" presetSubtype="0" fill="hold" grpId="0" nodeType="withEffect">
                                   <p:stCondLst>
                                     <p:cond delay="0"/>
                                   </p:stCondLst>
                                   <p:childTnLst>
                                     <p:set>
                                       <p:cBhvr>
-                                        <p:cTn id="20" dur="1" fill="hold">
+                                        <p:cTn id="18" dur="1" fill="hold">
                                           <p:stCondLst>
                                             <p:cond delay="0"/>
                                           </p:stCondLst>
@@ -3386,7 +3348,7 @@
                                     </p:set>
                                     <p:animEffect transition="in" filter="fade">
                                       <p:cBhvr>
-                                        <p:cTn id="21" dur="200"/>
+                                        <p:cTn id="19" dur="200"/>
                                         <p:tgtEl>
                                           <p:spTgt spid="32"/>
                                         </p:tgtEl>
@@ -3396,14 +3358,14 @@
                                 </p:cTn>
                               </p:par>
                               <p:par>
-                                <p:cTn id="22" presetID="10" presetClass="entr" presetSubtype="0" fill="hold" grpId="0" nodeType="withEffect">
+                                <p:cTn id="20" presetID="10" presetClass="entr" presetSubtype="0" fill="hold" grpId="0" nodeType="withEffect">
                                   <p:stCondLst>
                                     <p:cond delay="0"/>
                                   </p:stCondLst>
                                   <p:childTnLst>
                                     <p:set>
                                       <p:cBhvr>
-                                        <p:cTn id="23" dur="1" fill="hold">
+                                        <p:cTn id="21" dur="1" fill="hold">
                                           <p:stCondLst>
                                             <p:cond delay="0"/>
                                           </p:stCondLst>
@@ -3421,7 +3383,7 @@
                                     </p:set>
                                     <p:animEffect transition="in" filter="fade">
                                       <p:cBhvr>
-                                        <p:cTn id="24" dur="200"/>
+                                        <p:cTn id="22" dur="200"/>
                                         <p:tgtEl>
                                           <p:spTgt spid="33"/>
                                         </p:tgtEl>
@@ -3431,14 +3393,14 @@
                                 </p:cTn>
                               </p:par>
                               <p:par>
-                                <p:cTn id="25" presetID="10" presetClass="entr" presetSubtype="0" fill="hold" grpId="0" nodeType="withEffect">
+                                <p:cTn id="23" presetID="10" presetClass="entr" presetSubtype="0" fill="hold" grpId="0" nodeType="withEffect">
                                   <p:stCondLst>
                                     <p:cond delay="0"/>
                                   </p:stCondLst>
                                   <p:childTnLst>
                                     <p:set>
                                       <p:cBhvr>
-                                        <p:cTn id="26" dur="1" fill="hold">
+                                        <p:cTn id="24" dur="1" fill="hold">
                                           <p:stCondLst>
                                             <p:cond delay="0"/>
                                           </p:stCondLst>
@@ -3456,7 +3418,7 @@
                                     </p:set>
                                     <p:animEffect transition="in" filter="fade">
                                       <p:cBhvr>
-                                        <p:cTn id="27" dur="200"/>
+                                        <p:cTn id="25" dur="200"/>
                                         <p:tgtEl>
                                           <p:spTgt spid="34"/>
                                         </p:tgtEl>
@@ -3466,14 +3428,14 @@
                                 </p:cTn>
                               </p:par>
                               <p:par>
-                                <p:cTn id="28" presetID="10" presetClass="entr" presetSubtype="0" fill="hold" grpId="0" nodeType="withEffect">
+                                <p:cTn id="26" presetID="10" presetClass="entr" presetSubtype="0" fill="hold" grpId="0" nodeType="withEffect">
                                   <p:stCondLst>
                                     <p:cond delay="0"/>
                                   </p:stCondLst>
                                   <p:childTnLst>
                                     <p:set>
                                       <p:cBhvr>
-                                        <p:cTn id="29" dur="1" fill="hold">
+                                        <p:cTn id="27" dur="1" fill="hold">
                                           <p:stCondLst>
                                             <p:cond delay="0"/>
                                           </p:stCondLst>
@@ -3491,7 +3453,7 @@
                                     </p:set>
                                     <p:animEffect transition="in" filter="fade">
                                       <p:cBhvr>
-                                        <p:cTn id="30" dur="200"/>
+                                        <p:cTn id="28" dur="200"/>
                                         <p:tgtEl>
                                           <p:spTgt spid="35"/>
                                         </p:tgtEl>
@@ -3504,20 +3466,20 @@
                           </p:cTn>
                         </p:par>
                         <p:par>
-                          <p:cTn id="31" fill="hold">
+                          <p:cTn id="29" fill="hold">
                             <p:stCondLst>
-                              <p:cond delay="0"/>
+                              <p:cond delay="200"/>
                             </p:stCondLst>
                             <p:childTnLst>
                               <p:par>
-                                <p:cTn id="32" presetID="2" presetClass="entr" presetSubtype="8" fill="hold" nodeType="afterEffect">
+                                <p:cTn id="30" presetID="2" presetClass="entr" presetSubtype="8" fill="hold" nodeType="afterEffect">
                                   <p:stCondLst>
                                     <p:cond delay="0"/>
                                   </p:stCondLst>
                                   <p:childTnLst>
                                     <p:set>
                                       <p:cBhvr>
-                                        <p:cTn id="33" dur="1" fill="hold">
+                                        <p:cTn id="31" dur="1" fill="hold">
                                           <p:stCondLst>
                                             <p:cond delay="0"/>
                                           </p:stCondLst>
@@ -3535,7 +3497,7 @@
                                     </p:set>
                                     <p:anim calcmode="lin" valueType="num">
                                       <p:cBhvr additive="base">
-                                        <p:cTn id="34" dur="500" fill="hold"/>
+                                        <p:cTn id="32" dur="500" fill="hold"/>
                                         <p:tgtEl>
                                           <p:spTgt spid="30"/>
                                         </p:tgtEl>
@@ -3558,7 +3520,7 @@
                                     </p:anim>
                                     <p:anim calcmode="lin" valueType="num">
                                       <p:cBhvr additive="base">
-                                        <p:cTn id="35" dur="500" fill="hold"/>
+                                        <p:cTn id="33" dur="500" fill="hold"/>
                                         <p:tgtEl>
                                           <p:spTgt spid="30"/>
                                         </p:tgtEl>
@@ -3583,14 +3545,14 @@
                                 </p:cTn>
                               </p:par>
                               <p:par>
-                                <p:cTn id="36" presetID="2" presetClass="entr" presetSubtype="2" fill="hold" nodeType="withEffect">
+                                <p:cTn id="34" presetID="2" presetClass="entr" presetSubtype="2" fill="hold" nodeType="withEffect">
                                   <p:stCondLst>
                                     <p:cond delay="0"/>
                                   </p:stCondLst>
                                   <p:childTnLst>
                                     <p:set>
                                       <p:cBhvr>
-                                        <p:cTn id="37" dur="1" fill="hold">
+                                        <p:cTn id="35" dur="1" fill="hold">
                                           <p:stCondLst>
                                             <p:cond delay="0"/>
                                           </p:stCondLst>
@@ -3608,7 +3570,7 @@
                                     </p:set>
                                     <p:anim calcmode="lin" valueType="num">
                                       <p:cBhvr additive="base">
-                                        <p:cTn id="38" dur="500" fill="hold"/>
+                                        <p:cTn id="36" dur="500" fill="hold"/>
                                         <p:tgtEl>
                                           <p:spTgt spid="31"/>
                                         </p:tgtEl>
@@ -3631,7 +3593,7 @@
                                     </p:anim>
                                     <p:anim calcmode="lin" valueType="num">
                                       <p:cBhvr additive="base">
-                                        <p:cTn id="39" dur="500" fill="hold"/>
+                                        <p:cTn id="37" dur="500" fill="hold"/>
                                         <p:tgtEl>
                                           <p:spTgt spid="31"/>
                                         </p:tgtEl>
@@ -3659,20 +3621,20 @@
                           </p:cTn>
                         </p:par>
                         <p:par>
-                          <p:cTn id="40" fill="hold">
+                          <p:cTn id="38" fill="hold">
                             <p:stCondLst>
-                              <p:cond delay="500"/>
+                              <p:cond delay="700"/>
                             </p:stCondLst>
                             <p:childTnLst>
                               <p:par>
-                                <p:cTn id="41" presetID="37" presetClass="entr" presetSubtype="0" fill="hold" grpId="0" nodeType="afterEffect">
+                                <p:cTn id="39" presetID="37" presetClass="entr" presetSubtype="0" fill="hold" grpId="0" nodeType="afterEffect">
                                   <p:stCondLst>
                                     <p:cond delay="0"/>
                                   </p:stCondLst>
                                   <p:childTnLst>
                                     <p:set>
                                       <p:cBhvr>
-                                        <p:cTn id="42" dur="1" fill="hold">
+                                        <p:cTn id="40" dur="1" fill="hold">
                                           <p:stCondLst>
                                             <p:cond delay="0"/>
                                           </p:stCondLst>
@@ -3690,7 +3652,7 @@
                                     </p:set>
                                     <p:animEffect transition="in" filter="fade">
                                       <p:cBhvr>
-                                        <p:cTn id="43" dur="700"/>
+                                        <p:cTn id="41" dur="700"/>
                                         <p:tgtEl>
                                           <p:spTgt spid="40"/>
                                         </p:tgtEl>
@@ -3698,7 +3660,7 @@
                                     </p:animEffect>
                                     <p:anim calcmode="lin" valueType="num">
                                       <p:cBhvr>
-                                        <p:cTn id="44" dur="700" fill="hold"/>
+                                        <p:cTn id="42" dur="700" fill="hold"/>
                                         <p:tgtEl>
                                           <p:spTgt spid="40"/>
                                         </p:tgtEl>
@@ -3721,7 +3683,7 @@
                                     </p:anim>
                                     <p:anim calcmode="lin" valueType="num">
                                       <p:cBhvr>
-                                        <p:cTn id="45" dur="630" decel="100000" fill="hold"/>
+                                        <p:cTn id="43" dur="630" decel="100000" fill="hold"/>
                                         <p:tgtEl>
                                           <p:spTgt spid="40"/>
                                         </p:tgtEl>
@@ -3744,7 +3706,7 @@
                                     </p:anim>
                                     <p:anim calcmode="lin" valueType="num">
                                       <p:cBhvr>
-                                        <p:cTn id="46" dur="70" accel="100000" fill="hold">
+                                        <p:cTn id="44" dur="70" accel="100000" fill="hold">
                                           <p:stCondLst>
                                             <p:cond delay="630"/>
                                           </p:stCondLst>
@@ -3776,20 +3738,20 @@
                           </p:cTn>
                         </p:par>
                         <p:par>
-                          <p:cTn id="47" fill="hold">
+                          <p:cTn id="45" fill="hold">
                             <p:stCondLst>
-                              <p:cond delay="1500"/>
+                              <p:cond delay="1400"/>
                             </p:stCondLst>
                             <p:childTnLst>
                               <p:par>
-                                <p:cTn id="48" presetID="22" presetClass="entr" presetSubtype="8" fill="hold" nodeType="afterEffect">
+                                <p:cTn id="46" presetID="22" presetClass="entr" presetSubtype="8" fill="hold" nodeType="afterEffect">
                                   <p:stCondLst>
                                     <p:cond delay="0"/>
                                   </p:stCondLst>
                                   <p:childTnLst>
                                     <p:set>
                                       <p:cBhvr>
-                                        <p:cTn id="49" dur="1" fill="hold">
+                                        <p:cTn id="47" dur="1" fill="hold">
                                           <p:stCondLst>
                                             <p:cond delay="0"/>
                                           </p:stCondLst>
@@ -3807,7 +3769,7 @@
                                     </p:set>
                                     <p:animEffect transition="in" filter="wipe(left)">
                                       <p:cBhvr>
-                                        <p:cTn id="50" dur="500"/>
+                                        <p:cTn id="48" dur="500"/>
                                         <p:tgtEl>
                                           <p:spTgt spid="44"/>
                                         </p:tgtEl>
@@ -3820,20 +3782,20 @@
                           </p:cTn>
                         </p:par>
                         <p:par>
-                          <p:cTn id="51" fill="hold">
+                          <p:cTn id="49" fill="hold">
                             <p:stCondLst>
-                              <p:cond delay="2000"/>
+                              <p:cond delay="1900"/>
                             </p:stCondLst>
                             <p:childTnLst>
                               <p:par>
-                                <p:cTn id="52" presetID="12" presetClass="entr" presetSubtype="4" fill="hold" grpId="0" nodeType="afterEffect">
+                                <p:cTn id="50" presetID="12" presetClass="entr" presetSubtype="4" fill="hold" grpId="0" nodeType="afterEffect">
                                   <p:stCondLst>
                                     <p:cond delay="0"/>
                                   </p:stCondLst>
                                   <p:childTnLst>
                                     <p:set>
                                       <p:cBhvr>
-                                        <p:cTn id="53" dur="1" fill="hold">
+                                        <p:cTn id="51" dur="1" fill="hold">
                                           <p:stCondLst>
                                             <p:cond delay="0"/>
                                           </p:stCondLst>
@@ -3851,7 +3813,7 @@
                                     </p:set>
                                     <p:anim calcmode="lin" valueType="num">
                                       <p:cBhvr additive="base">
-                                        <p:cTn id="54" dur="500"/>
+                                        <p:cTn id="52" dur="500"/>
                                         <p:tgtEl>
                                           <p:spTgt spid="41"/>
                                         </p:tgtEl>
@@ -3874,7 +3836,7 @@
                                     </p:anim>
                                     <p:animEffect transition="in" filter="wipe(up)">
                                       <p:cBhvr>
-                                        <p:cTn id="55" dur="500"/>
+                                        <p:cTn id="53" dur="500"/>
                                         <p:tgtEl>
                                           <p:spTgt spid="41"/>
                                         </p:tgtEl>
@@ -3887,20 +3849,20 @@
                           </p:cTn>
                         </p:par>
                         <p:par>
-                          <p:cTn id="56" fill="hold">
+                          <p:cTn id="54" fill="hold">
                             <p:stCondLst>
-                              <p:cond delay="2500"/>
+                              <p:cond delay="2400"/>
                             </p:stCondLst>
                             <p:childTnLst>
                               <p:par>
-                                <p:cTn id="57" presetID="12" presetClass="entr" presetSubtype="4" fill="hold" grpId="0" nodeType="afterEffect">
+                                <p:cTn id="55" presetID="12" presetClass="entr" presetSubtype="4" fill="hold" grpId="0" nodeType="afterEffect">
                                   <p:stCondLst>
                                     <p:cond delay="0"/>
                                   </p:stCondLst>
                                   <p:childTnLst>
                                     <p:set>
                                       <p:cBhvr>
-                                        <p:cTn id="58" dur="1" fill="hold">
+                                        <p:cTn id="56" dur="1" fill="hold">
                                           <p:stCondLst>
                                             <p:cond delay="0"/>
                                           </p:stCondLst>
@@ -3918,7 +3880,7 @@
                                     </p:set>
                                     <p:anim calcmode="lin" valueType="num">
                                       <p:cBhvr additive="base">
-                                        <p:cTn id="59" dur="500"/>
+                                        <p:cTn id="57" dur="500"/>
                                         <p:tgtEl>
                                           <p:spTgt spid="43"/>
                                         </p:tgtEl>
@@ -3941,7 +3903,7 @@
                                     </p:anim>
                                     <p:animEffect transition="in" filter="wipe(up)">
                                       <p:cBhvr>
-                                        <p:cTn id="60" dur="500"/>
+                                        <p:cTn id="58" dur="500"/>
                                         <p:tgtEl>
                                           <p:spTgt spid="43"/>
                                         </p:tgtEl>
@@ -3973,25 +3935,6 @@
                 </p:cond>
               </p:nextCondLst>
             </p:seq>
-            <p:audio>
-              <p:cMediaNode vol="80000" numSld="999" showWhenStopped="0">
-                <p:cTn id="61" repeatCount="indefinite" fill="hold" display="0">
-                  <p:stCondLst>
-                    <p:cond delay="indefinite"/>
-                  </p:stCondLst>
-                  <p:endCondLst>
-                    <p:cond evt="onStopAudio" delay="0">
-                      <p:tgtEl>
-                        <p:sldTgt/>
-                      </p:tgtEl>
-                    </p:cond>
-                  </p:endCondLst>
-                </p:cTn>
-                <p:tgtEl>
-                  <p:spTgt spid="46"/>
-                </p:tgtEl>
-              </p:cMediaNode>
-            </p:audio>
           </p:childTnLst>
         </p:cTn>
       </p:par>
@@ -4009,6 +3952,361 @@
       <p:bldP spid="41" grpId="0"/>
       <p:bldP spid="43" grpId="0"/>
     </p:bldLst>
+  </p:timing>
+</p:sld>
+</file>
+
+<file path=ppt/slides/slide10.xml><?xml version="1.0" encoding="utf-8"?>
+<p:sld xmlns:a="http://schemas.openxmlformats.org/drawingml/2006/main" xmlns:r="http://schemas.openxmlformats.org/officeDocument/2006/relationships" xmlns:p="http://schemas.openxmlformats.org/presentationml/2006/main">
+  <p:cSld>
+    <p:spTree>
+      <p:nvGrpSpPr>
+        <p:cNvPr id="1" name=""/>
+        <p:cNvGrpSpPr/>
+        <p:nvPr/>
+      </p:nvGrpSpPr>
+      <p:grpSpPr>
+        <a:xfrm>
+          <a:off x="0" y="0"/>
+          <a:ext cx="0" cy="0"/>
+          <a:chOff x="0" y="0"/>
+          <a:chExt cx="0" cy="0"/>
+        </a:xfrm>
+      </p:grpSpPr>
+      <p:sp>
+        <p:nvSpPr>
+          <p:cNvPr id="2" name="矩形 1"/>
+          <p:cNvSpPr/>
+          <p:nvPr/>
+        </p:nvSpPr>
+        <p:spPr>
+          <a:xfrm>
+            <a:off x="237030" y="1171"/>
+            <a:ext cx="1608415" cy="135446"/>
+          </a:xfrm>
+          <a:prstGeom prst="rect">
+            <a:avLst/>
+          </a:prstGeom>
+          <a:solidFill>
+            <a:srgbClr val="183A5D"/>
+          </a:solidFill>
+          <a:ln>
+            <a:noFill/>
+          </a:ln>
+        </p:spPr>
+        <p:style>
+          <a:lnRef idx="2">
+            <a:schemeClr val="accent1">
+              <a:shade val="50000"/>
+            </a:schemeClr>
+          </a:lnRef>
+          <a:fillRef idx="1">
+            <a:schemeClr val="accent1"/>
+          </a:fillRef>
+          <a:effectRef idx="0">
+            <a:schemeClr val="accent1"/>
+          </a:effectRef>
+          <a:fontRef idx="minor">
+            <a:schemeClr val="lt1"/>
+          </a:fontRef>
+        </p:style>
+        <p:txBody>
+          <a:bodyPr rtlCol="0" anchor="ctr"/>
+          <a:lstStyle/>
+          <a:p>
+            <a:pPr algn="ctr"/>
+            <a:endParaRPr lang="zh-CN" altLang="en-US" sz="2800"/>
+          </a:p>
+        </p:txBody>
+      </p:sp>
+      <p:sp>
+        <p:nvSpPr>
+          <p:cNvPr id="3" name="矩形 2"/>
+          <p:cNvSpPr/>
+          <p:nvPr/>
+        </p:nvSpPr>
+        <p:spPr>
+          <a:xfrm>
+            <a:off x="237030" y="255131"/>
+            <a:ext cx="1608415" cy="406336"/>
+          </a:xfrm>
+          <a:prstGeom prst="rect">
+            <a:avLst/>
+          </a:prstGeom>
+          <a:solidFill>
+            <a:srgbClr val="183A5D"/>
+          </a:solidFill>
+          <a:ln>
+            <a:noFill/>
+          </a:ln>
+        </p:spPr>
+        <p:style>
+          <a:lnRef idx="2">
+            <a:schemeClr val="accent1">
+              <a:shade val="50000"/>
+            </a:schemeClr>
+          </a:lnRef>
+          <a:fillRef idx="1">
+            <a:schemeClr val="accent1"/>
+          </a:fillRef>
+          <a:effectRef idx="0">
+            <a:schemeClr val="accent1"/>
+          </a:effectRef>
+          <a:fontRef idx="minor">
+            <a:schemeClr val="lt1"/>
+          </a:fontRef>
+        </p:style>
+        <p:txBody>
+          <a:bodyPr rtlCol="0" anchor="ctr"/>
+          <a:lstStyle/>
+          <a:p>
+            <a:pPr algn="ctr"/>
+            <a:endParaRPr lang="en-US" sz="2400" dirty="0"/>
+          </a:p>
+        </p:txBody>
+      </p:sp>
+      <p:sp>
+        <p:nvSpPr>
+          <p:cNvPr id="4" name="文本框 3"/>
+          <p:cNvSpPr txBox="1"/>
+          <p:nvPr/>
+        </p:nvSpPr>
+        <p:spPr>
+          <a:xfrm>
+            <a:off x="2236548" y="136356"/>
+            <a:ext cx="6052718" cy="501650"/>
+          </a:xfrm>
+          <a:prstGeom prst="rect">
+            <a:avLst/>
+          </a:prstGeom>
+          <a:noFill/>
+        </p:spPr>
+        <p:txBody>
+          <a:bodyPr wrap="square" rtlCol="0">
+            <a:spAutoFit/>
+          </a:bodyPr>
+          <a:lstStyle/>
+          <a:p>
+            <a:endParaRPr lang="zh-CN" sz="2665" dirty="0">
+              <a:solidFill>
+                <a:srgbClr val="183A5D"/>
+              </a:solidFill>
+              <a:latin typeface="微软雅黑" panose="020B0503020204020204" pitchFamily="34" charset="-122"/>
+              <a:ea typeface="微软雅黑" panose="020B0503020204020204" pitchFamily="34" charset="-122"/>
+            </a:endParaRPr>
+          </a:p>
+        </p:txBody>
+      </p:sp>
+      <p:sp>
+        <p:nvSpPr>
+          <p:cNvPr id="6" name="文本框 5"/>
+          <p:cNvSpPr txBox="1"/>
+          <p:nvPr/>
+        </p:nvSpPr>
+        <p:spPr>
+          <a:xfrm>
+            <a:off x="2226388" y="156068"/>
+            <a:ext cx="6052718" cy="501650"/>
+          </a:xfrm>
+          <a:prstGeom prst="rect">
+            <a:avLst/>
+          </a:prstGeom>
+          <a:noFill/>
+        </p:spPr>
+        <p:txBody>
+          <a:bodyPr wrap="square" rtlCol="0">
+            <a:spAutoFit/>
+          </a:bodyPr>
+          <a:lstStyle/>
+          <a:p>
+            <a:r>
+              <a:rPr lang="zh-CN" altLang="en-US" sz="2665" dirty="0" smtClean="0">
+                <a:solidFill>
+                  <a:srgbClr val="183A5D"/>
+                </a:solidFill>
+                <a:latin typeface="微软雅黑" panose="020B0503020204020204" pitchFamily="34" charset="-122"/>
+                <a:ea typeface="微软雅黑" panose="020B0503020204020204" pitchFamily="34" charset="-122"/>
+              </a:rPr>
+              <a:t>提问</a:t>
+            </a:r>
+            <a:endParaRPr lang="en-US" altLang="zh-CN" sz="2665" dirty="0">
+              <a:solidFill>
+                <a:srgbClr val="183A5D"/>
+              </a:solidFill>
+              <a:latin typeface="微软雅黑" panose="020B0503020204020204" pitchFamily="34" charset="-122"/>
+              <a:ea typeface="微软雅黑" panose="020B0503020204020204" pitchFamily="34" charset="-122"/>
+            </a:endParaRPr>
+          </a:p>
+        </p:txBody>
+      </p:sp>
+      <p:sp>
+        <p:nvSpPr>
+          <p:cNvPr id="7" name="TextBox 6"/>
+          <p:cNvSpPr txBox="1"/>
+          <p:nvPr/>
+        </p:nvSpPr>
+        <p:spPr>
+          <a:xfrm>
+            <a:off x="1558702" y="1269554"/>
+            <a:ext cx="7272808" cy="738664"/>
+          </a:xfrm>
+          <a:prstGeom prst="rect">
+            <a:avLst/>
+          </a:prstGeom>
+          <a:noFill/>
+        </p:spPr>
+        <p:txBody>
+          <a:bodyPr wrap="square" rtlCol="0">
+            <a:spAutoFit/>
+          </a:bodyPr>
+          <a:lstStyle/>
+          <a:p>
+            <a:r>
+              <a:rPr lang="zh-CN" altLang="en-US" b="1" dirty="0" smtClean="0"/>
+              <a:t>系统开发共有五个阶</a:t>
+            </a:r>
+            <a:r>
+              <a:rPr lang="zh-CN" altLang="en-US" b="1" dirty="0" smtClean="0"/>
+              <a:t>段，它们分别是？</a:t>
+            </a:r>
+            <a:endParaRPr lang="en-US" altLang="zh-CN" b="1" dirty="0" smtClean="0"/>
+          </a:p>
+          <a:p>
+            <a:endParaRPr lang="zh-CN" altLang="en-US" dirty="0"/>
+          </a:p>
+        </p:txBody>
+      </p:sp>
+      <p:sp>
+        <p:nvSpPr>
+          <p:cNvPr id="9" name="TextBox 8"/>
+          <p:cNvSpPr txBox="1"/>
+          <p:nvPr/>
+        </p:nvSpPr>
+        <p:spPr>
+          <a:xfrm>
+            <a:off x="1702718" y="1989634"/>
+            <a:ext cx="7848872" cy="2839239"/>
+          </a:xfrm>
+          <a:prstGeom prst="rect">
+            <a:avLst/>
+          </a:prstGeom>
+          <a:noFill/>
+        </p:spPr>
+        <p:txBody>
+          <a:bodyPr wrap="square" rtlCol="0">
+            <a:spAutoFit/>
+          </a:bodyPr>
+          <a:lstStyle/>
+          <a:p>
+            <a:pPr marL="457200" indent="-457200">
+              <a:lnSpc>
+                <a:spcPct val="150000"/>
+              </a:lnSpc>
+              <a:buFont typeface="Arial" panose="020B0604020202020204" pitchFamily="34" charset="0"/>
+              <a:buChar char="•"/>
+            </a:pPr>
+            <a:r>
+              <a:rPr lang="zh-CN" altLang="en-US" dirty="0" smtClean="0"/>
+              <a:t>需求分析</a:t>
+            </a:r>
+            <a:endParaRPr lang="en-US" altLang="zh-CN" dirty="0" smtClean="0"/>
+          </a:p>
+          <a:p>
+            <a:pPr marL="457200" indent="-457200">
+              <a:lnSpc>
+                <a:spcPct val="150000"/>
+              </a:lnSpc>
+              <a:buFont typeface="Arial" panose="020B0604020202020204" pitchFamily="34" charset="0"/>
+              <a:buChar char="•"/>
+            </a:pPr>
+            <a:r>
+              <a:rPr lang="zh-CN" altLang="en-US" dirty="0" smtClean="0"/>
+              <a:t>系</a:t>
+            </a:r>
+            <a:r>
+              <a:rPr lang="zh-CN" altLang="en-US" dirty="0" smtClean="0"/>
+              <a:t>统分析</a:t>
+            </a:r>
+            <a:endParaRPr lang="en-US" altLang="zh-CN" dirty="0" smtClean="0"/>
+          </a:p>
+          <a:p>
+            <a:pPr marL="457200" indent="-457200">
+              <a:lnSpc>
+                <a:spcPct val="150000"/>
+              </a:lnSpc>
+              <a:buFont typeface="Arial" panose="020B0604020202020204" pitchFamily="34" charset="0"/>
+              <a:buChar char="•"/>
+            </a:pPr>
+            <a:r>
+              <a:rPr lang="zh-CN" altLang="en-US" dirty="0" smtClean="0"/>
+              <a:t>系</a:t>
+            </a:r>
+            <a:r>
+              <a:rPr lang="zh-CN" altLang="en-US" dirty="0" smtClean="0"/>
+              <a:t>统设计</a:t>
+            </a:r>
+            <a:endParaRPr lang="en-US" altLang="zh-CN" dirty="0" smtClean="0"/>
+          </a:p>
+          <a:p>
+            <a:pPr marL="457200" indent="-457200">
+              <a:lnSpc>
+                <a:spcPct val="150000"/>
+              </a:lnSpc>
+              <a:buFont typeface="Arial" panose="020B0604020202020204" pitchFamily="34" charset="0"/>
+              <a:buChar char="•"/>
+            </a:pPr>
+            <a:r>
+              <a:rPr lang="zh-CN" altLang="en-US" dirty="0" smtClean="0"/>
+              <a:t>程</a:t>
+            </a:r>
+            <a:r>
+              <a:rPr lang="zh-CN" altLang="en-US" dirty="0" smtClean="0"/>
+              <a:t>序实现</a:t>
+            </a:r>
+            <a:endParaRPr lang="en-US" altLang="zh-CN" dirty="0" smtClean="0"/>
+          </a:p>
+          <a:p>
+            <a:pPr marL="457200" indent="-457200">
+              <a:lnSpc>
+                <a:spcPct val="150000"/>
+              </a:lnSpc>
+              <a:buFont typeface="Arial" panose="020B0604020202020204" pitchFamily="34" charset="0"/>
+              <a:buChar char="•"/>
+            </a:pPr>
+            <a:r>
+              <a:rPr lang="zh-CN" altLang="en-US" dirty="0" smtClean="0"/>
+              <a:t>测</a:t>
+            </a:r>
+            <a:r>
+              <a:rPr lang="zh-CN" altLang="en-US" dirty="0" smtClean="0"/>
+              <a:t>试阶段</a:t>
+            </a:r>
+            <a:endParaRPr lang="en-US" altLang="zh-CN" dirty="0" smtClean="0"/>
+          </a:p>
+          <a:p>
+            <a:endParaRPr lang="zh-CN" altLang="en-US" dirty="0"/>
+          </a:p>
+        </p:txBody>
+      </p:sp>
+    </p:spTree>
+    <p:extLst>
+      <p:ext uri="{BB962C8B-B14F-4D97-AF65-F5344CB8AC3E}">
+        <p14:creationId xmlns:p14="http://schemas.microsoft.com/office/powerpoint/2010/main" xmlns="" val="3098037299"/>
+      </p:ext>
+    </p:extLst>
+  </p:cSld>
+  <p:clrMapOvr>
+    <a:masterClrMapping/>
+  </p:clrMapOvr>
+  <p:transition spd="slow" advClick="0" advTm="0">
+    <p:wipe/>
+  </p:transition>
+  <p:timing>
+    <p:tnLst>
+      <p:par>
+        <p:cTn id="1" dur="indefinite" restart="never" nodeType="tmRoot"/>
+      </p:par>
+    </p:tnLst>
   </p:timing>
 </p:sld>
 </file>
@@ -4592,7 +4890,7 @@
     </p:spTree>
     <p:extLst>
       <p:ext uri="{BB962C8B-B14F-4D97-AF65-F5344CB8AC3E}">
-        <p14:creationId xmlns:p14="http://schemas.microsoft.com/office/powerpoint/2010/main" val="3098037299"/>
+        <p14:creationId xmlns:p14="http://schemas.microsoft.com/office/powerpoint/2010/main" xmlns="" val="3098037299"/>
       </p:ext>
     </p:extLst>
   </p:cSld>
@@ -4866,7 +5164,7 @@
     </p:spTree>
     <p:extLst>
       <p:ext uri="{BB962C8B-B14F-4D97-AF65-F5344CB8AC3E}">
-        <p14:creationId xmlns:p14="http://schemas.microsoft.com/office/powerpoint/2010/main" val="3098037299"/>
+        <p14:creationId xmlns:p14="http://schemas.microsoft.com/office/powerpoint/2010/main" xmlns="" val="3098037299"/>
       </p:ext>
     </p:extLst>
   </p:cSld>
@@ -5144,7 +5442,7 @@
     </p:spTree>
     <p:extLst>
       <p:ext uri="{BB962C8B-B14F-4D97-AF65-F5344CB8AC3E}">
-        <p14:creationId xmlns:p14="http://schemas.microsoft.com/office/powerpoint/2010/main" val="3098037299"/>
+        <p14:creationId xmlns:p14="http://schemas.microsoft.com/office/powerpoint/2010/main" xmlns="" val="3098037299"/>
       </p:ext>
     </p:extLst>
   </p:cSld>
@@ -5421,7 +5719,7 @@
     </p:spTree>
     <p:extLst>
       <p:ext uri="{BB962C8B-B14F-4D97-AF65-F5344CB8AC3E}">
-        <p14:creationId xmlns:p14="http://schemas.microsoft.com/office/powerpoint/2010/main" val="3098037299"/>
+        <p14:creationId xmlns:p14="http://schemas.microsoft.com/office/powerpoint/2010/main" xmlns="" val="3098037299"/>
       </p:ext>
     </p:extLst>
   </p:cSld>
@@ -5695,7 +5993,7 @@
     </p:spTree>
     <p:extLst>
       <p:ext uri="{BB962C8B-B14F-4D97-AF65-F5344CB8AC3E}">
-        <p14:creationId xmlns:p14="http://schemas.microsoft.com/office/powerpoint/2010/main" val="3098037299"/>
+        <p14:creationId xmlns:p14="http://schemas.microsoft.com/office/powerpoint/2010/main" xmlns="" val="3098037299"/>
       </p:ext>
     </p:extLst>
   </p:cSld>
@@ -5822,7 +6120,7 @@
             <a:pPr algn="ctr"/>
             <a:r>
               <a:rPr lang="en-US" sz="2400" dirty="0" smtClean="0"/>
-              <a:t>1</a:t>
+              <a:t>2</a:t>
             </a:r>
             <a:endParaRPr lang="en-US" sz="2400" dirty="0"/>
           </a:p>
@@ -6078,7 +6376,707 @@
     </p:spTree>
     <p:extLst>
       <p:ext uri="{BB962C8B-B14F-4D97-AF65-F5344CB8AC3E}">
-        <p14:creationId xmlns:p14="http://schemas.microsoft.com/office/powerpoint/2010/main" val="3098037299"/>
+        <p14:creationId xmlns:p14="http://schemas.microsoft.com/office/powerpoint/2010/main" xmlns="" val="3098037299"/>
+      </p:ext>
+    </p:extLst>
+  </p:cSld>
+  <p:clrMapOvr>
+    <a:masterClrMapping/>
+  </p:clrMapOvr>
+  <p:transition spd="slow" advClick="0" advTm="0">
+    <p:wipe/>
+  </p:transition>
+  <p:timing>
+    <p:tnLst>
+      <p:par>
+        <p:cTn id="1" dur="indefinite" restart="never" nodeType="tmRoot"/>
+      </p:par>
+    </p:tnLst>
+  </p:timing>
+</p:sld>
+</file>
+
+<file path=ppt/slides/slide9.xml><?xml version="1.0" encoding="utf-8"?>
+<p:sld xmlns:a="http://schemas.openxmlformats.org/drawingml/2006/main" xmlns:r="http://schemas.openxmlformats.org/officeDocument/2006/relationships" xmlns:p="http://schemas.openxmlformats.org/presentationml/2006/main">
+  <p:cSld>
+    <p:spTree>
+      <p:nvGrpSpPr>
+        <p:cNvPr id="1" name=""/>
+        <p:cNvGrpSpPr/>
+        <p:nvPr/>
+      </p:nvGrpSpPr>
+      <p:grpSpPr>
+        <a:xfrm>
+          <a:off x="0" y="0"/>
+          <a:ext cx="0" cy="0"/>
+          <a:chOff x="0" y="0"/>
+          <a:chExt cx="0" cy="0"/>
+        </a:xfrm>
+      </p:grpSpPr>
+      <p:sp>
+        <p:nvSpPr>
+          <p:cNvPr id="2" name="矩形 1"/>
+          <p:cNvSpPr/>
+          <p:nvPr/>
+        </p:nvSpPr>
+        <p:spPr>
+          <a:xfrm>
+            <a:off x="237030" y="1171"/>
+            <a:ext cx="1608415" cy="135446"/>
+          </a:xfrm>
+          <a:prstGeom prst="rect">
+            <a:avLst/>
+          </a:prstGeom>
+          <a:solidFill>
+            <a:srgbClr val="183A5D"/>
+          </a:solidFill>
+          <a:ln>
+            <a:noFill/>
+          </a:ln>
+        </p:spPr>
+        <p:style>
+          <a:lnRef idx="2">
+            <a:schemeClr val="accent1">
+              <a:shade val="50000"/>
+            </a:schemeClr>
+          </a:lnRef>
+          <a:fillRef idx="1">
+            <a:schemeClr val="accent1"/>
+          </a:fillRef>
+          <a:effectRef idx="0">
+            <a:schemeClr val="accent1"/>
+          </a:effectRef>
+          <a:fontRef idx="minor">
+            <a:schemeClr val="lt1"/>
+          </a:fontRef>
+        </p:style>
+        <p:txBody>
+          <a:bodyPr rtlCol="0" anchor="ctr"/>
+          <a:lstStyle/>
+          <a:p>
+            <a:pPr algn="ctr"/>
+            <a:endParaRPr lang="zh-CN" altLang="en-US" sz="2800"/>
+          </a:p>
+        </p:txBody>
+      </p:sp>
+      <p:sp>
+        <p:nvSpPr>
+          <p:cNvPr id="3" name="矩形 2"/>
+          <p:cNvSpPr/>
+          <p:nvPr/>
+        </p:nvSpPr>
+        <p:spPr>
+          <a:xfrm>
+            <a:off x="237030" y="255131"/>
+            <a:ext cx="1608415" cy="406336"/>
+          </a:xfrm>
+          <a:prstGeom prst="rect">
+            <a:avLst/>
+          </a:prstGeom>
+          <a:solidFill>
+            <a:srgbClr val="183A5D"/>
+          </a:solidFill>
+          <a:ln>
+            <a:noFill/>
+          </a:ln>
+        </p:spPr>
+        <p:style>
+          <a:lnRef idx="2">
+            <a:schemeClr val="accent1">
+              <a:shade val="50000"/>
+            </a:schemeClr>
+          </a:lnRef>
+          <a:fillRef idx="1">
+            <a:schemeClr val="accent1"/>
+          </a:fillRef>
+          <a:effectRef idx="0">
+            <a:schemeClr val="accent1"/>
+          </a:effectRef>
+          <a:fontRef idx="minor">
+            <a:schemeClr val="lt1"/>
+          </a:fontRef>
+        </p:style>
+        <p:txBody>
+          <a:bodyPr rtlCol="0" anchor="ctr"/>
+          <a:lstStyle/>
+          <a:p>
+            <a:pPr algn="ctr"/>
+            <a:r>
+              <a:rPr lang="en-US" sz="2400" dirty="0" smtClean="0"/>
+              <a:t>2</a:t>
+            </a:r>
+            <a:endParaRPr lang="en-US" sz="2400" dirty="0"/>
+          </a:p>
+        </p:txBody>
+      </p:sp>
+      <p:sp>
+        <p:nvSpPr>
+          <p:cNvPr id="4" name="文本框 3"/>
+          <p:cNvSpPr txBox="1"/>
+          <p:nvPr/>
+        </p:nvSpPr>
+        <p:spPr>
+          <a:xfrm>
+            <a:off x="2236548" y="136356"/>
+            <a:ext cx="6052718" cy="501650"/>
+          </a:xfrm>
+          <a:prstGeom prst="rect">
+            <a:avLst/>
+          </a:prstGeom>
+          <a:noFill/>
+        </p:spPr>
+        <p:txBody>
+          <a:bodyPr wrap="square" rtlCol="0">
+            <a:spAutoFit/>
+          </a:bodyPr>
+          <a:lstStyle/>
+          <a:p>
+            <a:endParaRPr lang="zh-CN" sz="2665" dirty="0">
+              <a:solidFill>
+                <a:srgbClr val="183A5D"/>
+              </a:solidFill>
+              <a:latin typeface="微软雅黑" panose="020B0503020204020204" pitchFamily="34" charset="-122"/>
+              <a:ea typeface="微软雅黑" panose="020B0503020204020204" pitchFamily="34" charset="-122"/>
+            </a:endParaRPr>
+          </a:p>
+        </p:txBody>
+      </p:sp>
+      <p:sp>
+        <p:nvSpPr>
+          <p:cNvPr id="6" name="文本框 5"/>
+          <p:cNvSpPr txBox="1"/>
+          <p:nvPr/>
+        </p:nvSpPr>
+        <p:spPr>
+          <a:xfrm>
+            <a:off x="2226388" y="156068"/>
+            <a:ext cx="6052718" cy="501650"/>
+          </a:xfrm>
+          <a:prstGeom prst="rect">
+            <a:avLst/>
+          </a:prstGeom>
+          <a:noFill/>
+        </p:spPr>
+        <p:txBody>
+          <a:bodyPr wrap="square" rtlCol="0">
+            <a:spAutoFit/>
+          </a:bodyPr>
+          <a:lstStyle/>
+          <a:p>
+            <a:r>
+              <a:rPr lang="en-US" altLang="zh-CN" sz="2665" dirty="0" smtClean="0">
+                <a:solidFill>
+                  <a:srgbClr val="183A5D"/>
+                </a:solidFill>
+                <a:latin typeface="微软雅黑" panose="020B0503020204020204" pitchFamily="34" charset="-122"/>
+                <a:ea typeface="微软雅黑" panose="020B0503020204020204" pitchFamily="34" charset="-122"/>
+              </a:rPr>
+              <a:t>UML</a:t>
+            </a:r>
+            <a:r>
+              <a:rPr lang="zh-CN" altLang="en-US" sz="2665" dirty="0" smtClean="0">
+                <a:solidFill>
+                  <a:srgbClr val="183A5D"/>
+                </a:solidFill>
+                <a:latin typeface="微软雅黑" panose="020B0503020204020204" pitchFamily="34" charset="-122"/>
+                <a:ea typeface="微软雅黑" panose="020B0503020204020204" pitchFamily="34" charset="-122"/>
+              </a:rPr>
+              <a:t>在软件开发各个阶段的应用</a:t>
+            </a:r>
+            <a:endParaRPr lang="en-US" altLang="zh-CN" sz="2665" dirty="0">
+              <a:solidFill>
+                <a:srgbClr val="183A5D"/>
+              </a:solidFill>
+              <a:latin typeface="微软雅黑" panose="020B0503020204020204" pitchFamily="34" charset="-122"/>
+              <a:ea typeface="微软雅黑" panose="020B0503020204020204" pitchFamily="34" charset="-122"/>
+            </a:endParaRPr>
+          </a:p>
+        </p:txBody>
+      </p:sp>
+      <p:sp>
+        <p:nvSpPr>
+          <p:cNvPr id="7" name="TextBox 6"/>
+          <p:cNvSpPr txBox="1"/>
+          <p:nvPr/>
+        </p:nvSpPr>
+        <p:spPr>
+          <a:xfrm>
+            <a:off x="1126654" y="981522"/>
+            <a:ext cx="9577064" cy="5632311"/>
+          </a:xfrm>
+          <a:prstGeom prst="rect">
+            <a:avLst/>
+          </a:prstGeom>
+          <a:noFill/>
+        </p:spPr>
+        <p:txBody>
+          <a:bodyPr wrap="square" rtlCol="0">
+            <a:spAutoFit/>
+          </a:bodyPr>
+          <a:lstStyle/>
+          <a:p>
+            <a:pPr indent="457200"/>
+            <a:r>
+              <a:rPr lang="zh-CN" altLang="en-US" sz="2000" dirty="0" smtClean="0">
+                <a:latin typeface="+mn-ea"/>
+              </a:rPr>
+              <a:t>经典的软件工程思想将软件开发分成</a:t>
+            </a:r>
+            <a:r>
+              <a:rPr lang="en-US" altLang="zh-CN" sz="2000" dirty="0" smtClean="0">
+                <a:latin typeface="+mn-ea"/>
+              </a:rPr>
+              <a:t>5</a:t>
+            </a:r>
+            <a:r>
+              <a:rPr lang="zh-CN" altLang="en-US" sz="2000" dirty="0" smtClean="0">
+                <a:latin typeface="+mn-ea"/>
+              </a:rPr>
+              <a:t>个阶段</a:t>
+            </a:r>
+            <a:r>
+              <a:rPr lang="en-US" altLang="zh-CN" sz="2000" dirty="0" smtClean="0">
+                <a:latin typeface="+mn-ea"/>
+              </a:rPr>
+              <a:t>:</a:t>
+            </a:r>
+            <a:r>
+              <a:rPr lang="zh-CN" altLang="en-US" sz="2000" dirty="0" smtClean="0">
+                <a:latin typeface="+mn-ea"/>
+              </a:rPr>
+              <a:t>可行性分析与项目开发计划、需求分析（系统分析）、系统设计、系统实现、测试、维护六个阶段。其中</a:t>
+            </a:r>
+            <a:r>
+              <a:rPr lang="en-US" altLang="zh-CN" sz="2000" dirty="0" smtClean="0">
+                <a:latin typeface="+mn-ea"/>
+              </a:rPr>
+              <a:t>UML</a:t>
+            </a:r>
+            <a:r>
+              <a:rPr lang="zh-CN" altLang="en-US" sz="2000" dirty="0" smtClean="0">
+                <a:latin typeface="+mn-ea"/>
+              </a:rPr>
+              <a:t>在各个阶段都有不同的应用，除了学习每种图的具体画法，还要注意学习</a:t>
+            </a:r>
+            <a:r>
+              <a:rPr lang="en-US" altLang="zh-CN" sz="2000" dirty="0" smtClean="0">
+                <a:latin typeface="+mn-ea"/>
+              </a:rPr>
+              <a:t>UML</a:t>
+            </a:r>
+            <a:r>
+              <a:rPr lang="zh-CN" altLang="en-US" sz="2000" dirty="0" smtClean="0">
+                <a:latin typeface="+mn-ea"/>
+              </a:rPr>
+              <a:t>图在软件开发过程中每个阶段的应用</a:t>
+            </a:r>
+            <a:r>
+              <a:rPr lang="zh-CN" altLang="en-US" sz="2000" dirty="0" smtClean="0">
+                <a:latin typeface="+mn-ea"/>
+              </a:rPr>
+              <a:t>。</a:t>
+            </a:r>
+            <a:endParaRPr lang="zh-CN" altLang="en-US" sz="2000" dirty="0" smtClean="0">
+              <a:latin typeface="+mn-ea"/>
+            </a:endParaRPr>
+          </a:p>
+          <a:p>
+            <a:pPr indent="457200"/>
+            <a:r>
+              <a:rPr lang="zh-CN" altLang="en-US" sz="2000" dirty="0" smtClean="0">
+                <a:latin typeface="+mn-ea"/>
+              </a:rPr>
+              <a:t>需</a:t>
+            </a:r>
+            <a:r>
+              <a:rPr lang="zh-CN" altLang="en-US" sz="2000" dirty="0" smtClean="0">
+                <a:latin typeface="+mn-ea"/>
+              </a:rPr>
+              <a:t>求</a:t>
+            </a:r>
+            <a:endParaRPr lang="zh-CN" altLang="en-US" sz="2000" dirty="0" smtClean="0">
+              <a:latin typeface="+mn-ea"/>
+            </a:endParaRPr>
+          </a:p>
+          <a:p>
+            <a:pPr indent="457200"/>
+            <a:r>
+              <a:rPr lang="zh-CN" altLang="en-US" sz="2000" dirty="0" smtClean="0">
+                <a:latin typeface="+mn-ea"/>
+              </a:rPr>
+              <a:t>   </a:t>
+            </a:r>
+            <a:r>
+              <a:rPr lang="en-US" altLang="zh-CN" sz="2000" dirty="0" smtClean="0">
+                <a:latin typeface="+mn-ea"/>
+              </a:rPr>
+              <a:t>--</a:t>
+            </a:r>
+            <a:r>
+              <a:rPr lang="zh-CN" altLang="en-US" sz="2000" dirty="0" smtClean="0">
+                <a:latin typeface="+mn-ea"/>
+              </a:rPr>
+              <a:t>采用用例图描述需</a:t>
+            </a:r>
+            <a:r>
+              <a:rPr lang="zh-CN" altLang="en-US" sz="2000" dirty="0" smtClean="0">
+                <a:latin typeface="+mn-ea"/>
+              </a:rPr>
+              <a:t>求。</a:t>
+            </a:r>
+          </a:p>
+          <a:p>
+            <a:pPr indent="457200"/>
+            <a:r>
+              <a:rPr lang="zh-CN" altLang="en-US" sz="2000" dirty="0" smtClean="0">
+                <a:latin typeface="+mn-ea"/>
+              </a:rPr>
+              <a:t>分析</a:t>
+            </a:r>
+            <a:endParaRPr lang="zh-CN" altLang="en-US" sz="2000" dirty="0" smtClean="0">
+              <a:latin typeface="+mn-ea"/>
+            </a:endParaRPr>
+          </a:p>
+          <a:p>
+            <a:pPr indent="457200"/>
+            <a:r>
+              <a:rPr lang="zh-CN" altLang="en-US" sz="2000" dirty="0" smtClean="0">
+                <a:latin typeface="+mn-ea"/>
+              </a:rPr>
+              <a:t>    </a:t>
+            </a:r>
+            <a:r>
+              <a:rPr lang="en-US" altLang="zh-CN" sz="2000" dirty="0" smtClean="0">
+                <a:latin typeface="+mn-ea"/>
+              </a:rPr>
+              <a:t>--</a:t>
+            </a:r>
+            <a:r>
+              <a:rPr lang="zh-CN" altLang="en-US" sz="2000" dirty="0" smtClean="0">
+                <a:latin typeface="+mn-ea"/>
+              </a:rPr>
+              <a:t>采用类图描述静态结</a:t>
+            </a:r>
+            <a:r>
+              <a:rPr lang="zh-CN" altLang="en-US" sz="2000" dirty="0" smtClean="0">
+                <a:latin typeface="+mn-ea"/>
+              </a:rPr>
+              <a:t>构</a:t>
+            </a:r>
+            <a:endParaRPr lang="zh-CN" altLang="en-US" sz="2000" dirty="0" smtClean="0">
+              <a:latin typeface="+mn-ea"/>
+            </a:endParaRPr>
+          </a:p>
+          <a:p>
+            <a:pPr indent="457200"/>
+            <a:r>
+              <a:rPr lang="zh-CN" altLang="en-US" sz="2000" dirty="0" smtClean="0">
+                <a:latin typeface="+mn-ea"/>
+              </a:rPr>
+              <a:t>   </a:t>
+            </a:r>
+            <a:r>
+              <a:rPr lang="en-US" altLang="zh-CN" sz="2000" dirty="0" smtClean="0">
+                <a:latin typeface="+mn-ea"/>
+              </a:rPr>
+              <a:t>--</a:t>
+            </a:r>
+            <a:r>
+              <a:rPr lang="zh-CN" altLang="en-US" sz="2000" dirty="0" smtClean="0">
+                <a:latin typeface="+mn-ea"/>
+              </a:rPr>
+              <a:t>采用顺序图、合作图、活动图、状态图描 述动态行</a:t>
+            </a:r>
+            <a:r>
+              <a:rPr lang="zh-CN" altLang="en-US" sz="2000" dirty="0" smtClean="0">
+                <a:latin typeface="+mn-ea"/>
+              </a:rPr>
+              <a:t>为</a:t>
+            </a:r>
+            <a:endParaRPr lang="zh-CN" altLang="en-US" sz="2000" dirty="0" smtClean="0">
+              <a:latin typeface="+mn-ea"/>
+            </a:endParaRPr>
+          </a:p>
+          <a:p>
+            <a:pPr indent="457200"/>
+            <a:r>
+              <a:rPr lang="zh-CN" altLang="en-US" sz="2000" dirty="0" smtClean="0">
+                <a:latin typeface="+mn-ea"/>
+              </a:rPr>
+              <a:t>设</a:t>
+            </a:r>
+            <a:r>
+              <a:rPr lang="zh-CN" altLang="en-US" sz="2000" dirty="0" smtClean="0">
+                <a:latin typeface="+mn-ea"/>
+              </a:rPr>
+              <a:t>计</a:t>
+            </a:r>
+            <a:endParaRPr lang="zh-CN" altLang="en-US" sz="2000" dirty="0" smtClean="0">
+              <a:latin typeface="+mn-ea"/>
+            </a:endParaRPr>
+          </a:p>
+          <a:p>
+            <a:pPr indent="457200"/>
+            <a:r>
+              <a:rPr lang="zh-CN" altLang="en-US" sz="2000" dirty="0" smtClean="0">
+                <a:latin typeface="+mn-ea"/>
+              </a:rPr>
+              <a:t>   </a:t>
+            </a:r>
+            <a:r>
+              <a:rPr lang="en-US" altLang="zh-CN" sz="2000" dirty="0" smtClean="0">
+                <a:latin typeface="+mn-ea"/>
+              </a:rPr>
+              <a:t>--</a:t>
+            </a:r>
+            <a:r>
+              <a:rPr lang="zh-CN" altLang="en-US" sz="2000" dirty="0" smtClean="0">
+                <a:latin typeface="+mn-ea"/>
+              </a:rPr>
+              <a:t>采用类图、包，对类的接口进行设</a:t>
+            </a:r>
+            <a:r>
+              <a:rPr lang="zh-CN" altLang="en-US" sz="2000" dirty="0" smtClean="0">
+                <a:latin typeface="+mn-ea"/>
+              </a:rPr>
+              <a:t>计</a:t>
+            </a:r>
+            <a:endParaRPr lang="zh-CN" altLang="en-US" sz="2000" dirty="0" smtClean="0">
+              <a:latin typeface="+mn-ea"/>
+            </a:endParaRPr>
+          </a:p>
+          <a:p>
+            <a:pPr indent="457200"/>
+            <a:r>
+              <a:rPr lang="zh-CN" altLang="en-US" sz="2000" dirty="0" smtClean="0">
+                <a:latin typeface="+mn-ea"/>
+              </a:rPr>
+              <a:t>实</a:t>
+            </a:r>
+            <a:r>
+              <a:rPr lang="zh-CN" altLang="en-US" sz="2000" dirty="0" smtClean="0">
+                <a:latin typeface="+mn-ea"/>
+              </a:rPr>
+              <a:t>现</a:t>
+            </a:r>
+            <a:endParaRPr lang="zh-CN" altLang="en-US" sz="2000" dirty="0" smtClean="0">
+              <a:latin typeface="+mn-ea"/>
+            </a:endParaRPr>
+          </a:p>
+          <a:p>
+            <a:pPr indent="457200"/>
+            <a:r>
+              <a:rPr lang="zh-CN" altLang="en-US" sz="2000" dirty="0" smtClean="0">
+                <a:latin typeface="+mn-ea"/>
+              </a:rPr>
+              <a:t>   </a:t>
+            </a:r>
+            <a:r>
+              <a:rPr lang="en-US" altLang="zh-CN" sz="2000" dirty="0" smtClean="0">
+                <a:latin typeface="+mn-ea"/>
+              </a:rPr>
+              <a:t>--</a:t>
+            </a:r>
+            <a:r>
+              <a:rPr lang="zh-CN" altLang="en-US" sz="2000" dirty="0" smtClean="0">
+                <a:latin typeface="+mn-ea"/>
+              </a:rPr>
+              <a:t>将类用某现象对象语言实</a:t>
+            </a:r>
+            <a:r>
+              <a:rPr lang="zh-CN" altLang="en-US" sz="2000" dirty="0" smtClean="0">
+                <a:latin typeface="+mn-ea"/>
+              </a:rPr>
+              <a:t>现</a:t>
+            </a:r>
+            <a:endParaRPr lang="zh-CN" altLang="en-US" sz="2000" dirty="0" smtClean="0">
+              <a:latin typeface="+mn-ea"/>
+            </a:endParaRPr>
+          </a:p>
+          <a:p>
+            <a:pPr indent="457200"/>
+            <a:r>
+              <a:rPr lang="zh-CN" altLang="en-US" sz="2000" dirty="0" smtClean="0">
+                <a:latin typeface="+mn-ea"/>
+              </a:rPr>
+              <a:t>继承与交</a:t>
+            </a:r>
+            <a:r>
+              <a:rPr lang="zh-CN" altLang="en-US" sz="2000" dirty="0" smtClean="0">
+                <a:latin typeface="+mn-ea"/>
+              </a:rPr>
+              <a:t>付</a:t>
+            </a:r>
+            <a:endParaRPr lang="zh-CN" altLang="en-US" sz="2000" dirty="0" smtClean="0">
+              <a:latin typeface="+mn-ea"/>
+            </a:endParaRPr>
+          </a:p>
+          <a:p>
+            <a:pPr indent="457200"/>
+            <a:r>
+              <a:rPr lang="zh-CN" altLang="en-US" sz="2000" dirty="0" smtClean="0">
+                <a:latin typeface="+mn-ea"/>
+              </a:rPr>
+              <a:t>   </a:t>
+            </a:r>
+            <a:r>
+              <a:rPr lang="en-US" altLang="zh-CN" sz="2000" dirty="0" smtClean="0">
+                <a:latin typeface="+mn-ea"/>
+              </a:rPr>
+              <a:t>--</a:t>
+            </a:r>
+            <a:r>
+              <a:rPr lang="zh-CN" altLang="en-US" sz="2000" dirty="0" smtClean="0">
+                <a:latin typeface="+mn-ea"/>
+              </a:rPr>
+              <a:t>构件图、包、部署</a:t>
+            </a:r>
+            <a:r>
+              <a:rPr lang="zh-CN" altLang="en-US" sz="2000" dirty="0" smtClean="0">
+                <a:latin typeface="+mn-ea"/>
+              </a:rPr>
+              <a:t>图</a:t>
+            </a:r>
+            <a:endParaRPr lang="zh-CN" altLang="en-US" sz="2000" dirty="0" smtClean="0">
+              <a:latin typeface="+mn-ea"/>
+            </a:endParaRPr>
+          </a:p>
+          <a:p>
+            <a:pPr indent="457200"/>
+            <a:r>
+              <a:rPr lang="zh-CN" altLang="en-US" sz="2000" dirty="0" smtClean="0">
+                <a:latin typeface="+mn-ea"/>
+              </a:rPr>
+              <a:t>   </a:t>
+            </a:r>
+            <a:r>
+              <a:rPr lang="en-US" altLang="zh-CN" sz="2000" dirty="0" smtClean="0">
+                <a:latin typeface="+mn-ea"/>
+              </a:rPr>
+              <a:t>--</a:t>
+            </a:r>
+            <a:r>
+              <a:rPr lang="zh-CN" altLang="en-US" sz="2000" dirty="0" smtClean="0">
+                <a:latin typeface="+mn-ea"/>
+              </a:rPr>
+              <a:t>单元测试</a:t>
+            </a:r>
+            <a:r>
+              <a:rPr lang="en-US" altLang="zh-CN" sz="2000" dirty="0" smtClean="0">
+                <a:latin typeface="+mn-ea"/>
+              </a:rPr>
+              <a:t>——</a:t>
+            </a:r>
+            <a:r>
+              <a:rPr lang="zh-CN" altLang="en-US" sz="2000" dirty="0" smtClean="0">
+                <a:latin typeface="+mn-ea"/>
+              </a:rPr>
+              <a:t>类图和类的说明</a:t>
+            </a:r>
+            <a:r>
+              <a:rPr lang="zh-CN" altLang="en-US" sz="2000" dirty="0" smtClean="0">
+                <a:latin typeface="+mn-ea"/>
+              </a:rPr>
+              <a:t>书</a:t>
+            </a:r>
+            <a:endParaRPr lang="zh-CN" altLang="en-US" sz="2000" dirty="0" smtClean="0">
+              <a:latin typeface="+mn-ea"/>
+            </a:endParaRPr>
+          </a:p>
+          <a:p>
+            <a:r>
+              <a:rPr lang="zh-CN" altLang="en-US" sz="2000" dirty="0" smtClean="0">
+                <a:latin typeface="+mn-ea"/>
+              </a:rPr>
+              <a:t>   </a:t>
+            </a:r>
+            <a:r>
+              <a:rPr lang="zh-CN" altLang="en-US" sz="2000" dirty="0" smtClean="0">
+                <a:latin typeface="+mn-ea"/>
+              </a:rPr>
+              <a:t>    </a:t>
+            </a:r>
+            <a:r>
+              <a:rPr lang="en-US" altLang="zh-CN" sz="2000" dirty="0" smtClean="0">
+                <a:latin typeface="+mn-ea"/>
+              </a:rPr>
+              <a:t>--</a:t>
+            </a:r>
+            <a:r>
+              <a:rPr lang="zh-CN" altLang="en-US" sz="2000" dirty="0" smtClean="0">
+                <a:latin typeface="+mn-ea"/>
+              </a:rPr>
+              <a:t>继承测试</a:t>
+            </a:r>
+            <a:r>
+              <a:rPr lang="en-US" altLang="zh-CN" sz="2000" dirty="0" smtClean="0">
+                <a:latin typeface="+mn-ea"/>
+              </a:rPr>
+              <a:t>——</a:t>
+            </a:r>
+            <a:r>
+              <a:rPr lang="zh-CN" altLang="en-US" sz="2000" dirty="0" smtClean="0">
+                <a:latin typeface="+mn-ea"/>
+              </a:rPr>
+              <a:t>类图、包、构件图、合作</a:t>
+            </a:r>
+            <a:r>
+              <a:rPr lang="zh-CN" altLang="en-US" sz="2000" dirty="0" smtClean="0">
+                <a:latin typeface="+mn-ea"/>
+              </a:rPr>
+              <a:t>图</a:t>
+            </a:r>
+            <a:endParaRPr lang="zh-CN" altLang="en-US" sz="2000" dirty="0" smtClean="0">
+              <a:latin typeface="+mn-ea"/>
+            </a:endParaRPr>
+          </a:p>
+          <a:p>
+            <a:r>
+              <a:rPr lang="zh-CN" altLang="en-US" sz="2000" dirty="0" smtClean="0">
+                <a:latin typeface="+mn-ea"/>
+              </a:rPr>
+              <a:t>   </a:t>
+            </a:r>
+            <a:r>
+              <a:rPr lang="en-US" altLang="zh-CN" sz="2000" dirty="0" smtClean="0">
+                <a:latin typeface="+mn-ea"/>
+              </a:rPr>
+              <a:t> </a:t>
+            </a:r>
+            <a:r>
+              <a:rPr lang="en-US" altLang="zh-CN" sz="2000" dirty="0" smtClean="0">
+                <a:latin typeface="+mn-ea"/>
+              </a:rPr>
+              <a:t>   --</a:t>
+            </a:r>
+            <a:r>
+              <a:rPr lang="zh-CN" altLang="en-US" sz="2000" dirty="0" smtClean="0">
+                <a:latin typeface="+mn-ea"/>
+              </a:rPr>
+              <a:t>系统测试</a:t>
+            </a:r>
+            <a:r>
+              <a:rPr lang="en-US" altLang="zh-CN" sz="2000" dirty="0" smtClean="0">
+                <a:latin typeface="+mn-ea"/>
+              </a:rPr>
+              <a:t>——</a:t>
+            </a:r>
+            <a:r>
+              <a:rPr lang="zh-CN" altLang="en-US" sz="2000" dirty="0" smtClean="0">
+                <a:latin typeface="+mn-ea"/>
+              </a:rPr>
+              <a:t>例图 </a:t>
+            </a:r>
+            <a:endParaRPr lang="zh-CN" altLang="en-US" sz="2000" dirty="0">
+              <a:latin typeface="+mn-ea"/>
+            </a:endParaRPr>
+          </a:p>
+        </p:txBody>
+      </p:sp>
+    </p:spTree>
+    <p:extLst>
+      <p:ext uri="{BB962C8B-B14F-4D97-AF65-F5344CB8AC3E}">
+        <p14:creationId xmlns:p14="http://schemas.microsoft.com/office/powerpoint/2010/main" xmlns="" val="3098037299"/>
       </p:ext>
     </p:extLst>
   </p:cSld>
@@ -6380,7 +7378,7 @@
   <a:extraClrSchemeLst/>
   <a:extLst>
     <a:ext uri="{05A4C25C-085E-4340-85A3-A5531E510DB2}">
-      <thm15:themeFamily xmlns:thm15="http://schemas.microsoft.com/office/thememl/2012/main" xmlns="" name="Office Theme" id="{62F939B6-93AF-4DB8-9C6B-D6C7DFDC589F}" vid="{4A3C46E8-61CC-4603-A589-7422A47A8E4A}"/>
+      <thm15:themeFamily xmlns="" xmlns:thm15="http://schemas.microsoft.com/office/thememl/2012/main" name="Office Theme" id="{62F939B6-93AF-4DB8-9C6B-D6C7DFDC589F}" vid="{4A3C46E8-61CC-4603-A589-7422A47A8E4A}"/>
     </a:ext>
   </a:extLst>
 </a:theme>
@@ -6670,7 +7668,7 @@
   <a:extraClrSchemeLst/>
   <a:extLst>
     <a:ext uri="{05A4C25C-085E-4340-85A3-A5531E510DB2}">
-      <thm15:themeFamily xmlns:thm15="http://schemas.microsoft.com/office/thememl/2012/main" xmlns="" name="Office Theme" id="{62F939B6-93AF-4DB8-9C6B-D6C7DFDC589F}" vid="{4A3C46E8-61CC-4603-A589-7422A47A8E4A}"/>
+      <thm15:themeFamily xmlns="" xmlns:thm15="http://schemas.microsoft.com/office/thememl/2012/main" name="Office Theme" id="{62F939B6-93AF-4DB8-9C6B-D6C7DFDC589F}" vid="{4A3C46E8-61CC-4603-A589-7422A47A8E4A}"/>
     </a:ext>
   </a:extLst>
 </a:theme>
@@ -6960,7 +7958,7 @@
   <a:extraClrSchemeLst/>
   <a:extLst>
     <a:ext uri="{05A4C25C-085E-4340-85A3-A5531E510DB2}">
-      <thm15:themeFamily xmlns:thm15="http://schemas.microsoft.com/office/thememl/2012/main" xmlns="" name="Office Theme" id="{62F939B6-93AF-4DB8-9C6B-D6C7DFDC589F}" vid="{4A3C46E8-61CC-4603-A589-7422A47A8E4A}"/>
+      <thm15:themeFamily xmlns="" xmlns:thm15="http://schemas.microsoft.com/office/thememl/2012/main" name="Office Theme" id="{62F939B6-93AF-4DB8-9C6B-D6C7DFDC589F}" vid="{4A3C46E8-61CC-4603-A589-7422A47A8E4A}"/>
     </a:ext>
   </a:extLst>
 </a:theme>
